--- a/project/Gyan_Kannur_530FinalProject_Presentation.pptx
+++ b/project/Gyan_Kannur_530FinalProject_Presentation.pptx
@@ -3773,14 +3773,7 @@
                 <a:latin typeface="Times New Roman" panose="02020603050405020304" pitchFamily="18" charset="0"/>
                 <a:cs typeface="Times New Roman" panose="02020603050405020304" pitchFamily="18" charset="0"/>
               </a:rPr>
-              <a:t>Kannur, </a:t>
-            </a:r>
-            <a:r>
-              <a:rPr lang="en-US" sz="2300" dirty="0" err="1">
-                <a:latin typeface="Times New Roman" panose="02020603050405020304" pitchFamily="18" charset="0"/>
-                <a:cs typeface="Times New Roman" panose="02020603050405020304" pitchFamily="18" charset="0"/>
-              </a:rPr>
-              <a:t>Gyaneshwar</a:t>
+              <a:t>Kannur, Gyaneshwar</a:t>
             </a:r>
             <a:br>
               <a:rPr lang="en-US" sz="2300" kern="1200" dirty="0">
